--- a/20171208_서울연_공간SQL/공간SQL을 이용한 공간자료분석 기초실습_20171208.pptx
+++ b/20171208_서울연_공간SQL/공간SQL을 이용한 공간자료분석 기초실습_20171208.pptx
@@ -221,6 +221,7 @@
           </a:p>
         </c:rich>
       </c:tx>
+      <c:layout/>
       <c:overlay val="0"/>
       <c:spPr>
         <a:noFill/>
@@ -832,6 +833,7 @@
     </c:plotArea>
     <c:legend>
       <c:legendPos val="t"/>
+      <c:layout/>
       <c:overlay val="0"/>
       <c:spPr>
         <a:noFill/>
@@ -10159,7 +10161,11 @@
             </a:r>
             <a:r>
               <a:rPr lang="ko-KR" altLang="en-US" dirty="0" smtClean="0"/>
-              <a:t> 다운로드</a:t>
+              <a:t> </a:t>
+            </a:r>
+            <a:r>
+              <a:rPr lang="ko-KR" altLang="en-US" dirty="0" smtClean="0"/>
+              <a:t>다운로드</a:t>
             </a:r>
             <a:endParaRPr lang="en-US" altLang="ko-KR" dirty="0" smtClean="0"/>
           </a:p>
@@ -10169,19 +10175,39 @@
               <a:rPr lang="en-US" altLang="ko-KR" dirty="0">
                 <a:hlinkClick r:id="rId6"/>
               </a:rPr>
-              <a:t>https://github.com/Gaia3D/workshop/raw/master/20171208_%EC%84%9C%EC%9C%A8%EC%97%B0_%</a:t>
+              <a:t>https://</a:t>
             </a:r>
             <a:r>
               <a:rPr lang="en-US" altLang="ko-KR" dirty="0" smtClean="0">
                 <a:hlinkClick r:id="rId6"/>
               </a:rPr>
-              <a:t>EA%B3%B5%EA%B0%84SQL/data.zip</a:t>
-            </a:r>
-            <a:r>
-              <a:rPr lang="en-US" altLang="ko-KR" dirty="0" smtClean="0"/>
-              <a:t> </a:t>
-            </a:r>
-            <a:endParaRPr lang="ko-KR" altLang="en-US" dirty="0"/>
+              <a:t>github.com/Gaia3D/workshop/raw/master/20171208_</a:t>
+            </a:r>
+            <a:r>
+              <a:rPr lang="ko-KR" altLang="en-US" dirty="0" err="1" smtClean="0">
+                <a:hlinkClick r:id="rId6"/>
+              </a:rPr>
+              <a:t>서울연</a:t>
+            </a:r>
+            <a:r>
+              <a:rPr lang="en-US" altLang="ko-KR" dirty="0" smtClean="0">
+                <a:hlinkClick r:id="rId6"/>
+              </a:rPr>
+              <a:t>_</a:t>
+            </a:r>
+            <a:r>
+              <a:rPr lang="ko-KR" altLang="en-US" dirty="0" smtClean="0">
+                <a:hlinkClick r:id="rId6"/>
+              </a:rPr>
+              <a:t>공간</a:t>
+            </a:r>
+            <a:r>
+              <a:rPr lang="en-US" altLang="ko-KR" dirty="0" smtClean="0">
+                <a:hlinkClick r:id="rId6"/>
+              </a:rPr>
+              <a:t>SQL/data.zip</a:t>
+            </a:r>
+            <a:endParaRPr lang="en-US" altLang="ko-KR" dirty="0" smtClean="0"/>
           </a:p>
         </p:txBody>
       </p:sp>
@@ -10204,7 +10230,7 @@
               <a:rPr lang="ko-KR" altLang="en-US" smtClean="0"/>
               <a:t>2</a:t>
             </a:fld>
-            <a:endParaRPr lang="ko-KR" altLang="en-US"/>
+            <a:endParaRPr lang="ko-KR" altLang="en-US" dirty="0"/>
           </a:p>
         </p:txBody>
       </p:sp>
@@ -34040,86 +34066,6 @@
           </a:p>
         </p:txBody>
       </p:sp>
-      <p:sp>
-        <p:nvSpPr>
-          <p:cNvPr id="5" name="TextBox 4"/>
-          <p:cNvSpPr txBox="1"/>
-          <p:nvPr/>
-        </p:nvSpPr>
-        <p:spPr>
-          <a:xfrm>
-            <a:off x="1698172" y="6352143"/>
-            <a:ext cx="9637575" cy="338554"/>
-          </a:xfrm>
-          <a:prstGeom prst="rect">
-            <a:avLst/>
-          </a:prstGeom>
-          <a:noFill/>
-        </p:spPr>
-        <p:txBody>
-          <a:bodyPr wrap="none" rtlCol="0">
-            <a:spAutoFit/>
-          </a:bodyPr>
-          <a:lstStyle/>
-          <a:p>
-            <a:r>
-              <a:rPr lang="en-US" altLang="ko-KR" sz="1600" dirty="0">
-                <a:hlinkClick r:id="rId2"/>
-              </a:rPr>
-              <a:t>https://</a:t>
-            </a:r>
-            <a:r>
-              <a:rPr lang="en-US" altLang="ko-KR" sz="1600" dirty="0" smtClean="0">
-                <a:hlinkClick r:id="rId2"/>
-              </a:rPr>
-              <a:t>github.com/Gaia3D/workshop/blob/master/20171208_</a:t>
-            </a:r>
-            <a:r>
-              <a:rPr lang="ko-KR" altLang="en-US" sz="1600" dirty="0" err="1" smtClean="0">
-                <a:hlinkClick r:id="rId2"/>
-              </a:rPr>
-              <a:t>서울연</a:t>
-            </a:r>
-            <a:r>
-              <a:rPr lang="en-US" altLang="ko-KR" sz="1600" dirty="0" smtClean="0">
-                <a:hlinkClick r:id="rId2"/>
-              </a:rPr>
-              <a:t>_</a:t>
-            </a:r>
-            <a:r>
-              <a:rPr lang="ko-KR" altLang="en-US" sz="1600" dirty="0" smtClean="0">
-                <a:hlinkClick r:id="rId2"/>
-              </a:rPr>
-              <a:t>공간</a:t>
-            </a:r>
-            <a:r>
-              <a:rPr lang="en-US" altLang="ko-KR" sz="1600" dirty="0" smtClean="0">
-                <a:hlinkClick r:id="rId2"/>
-              </a:rPr>
-              <a:t>SQL/</a:t>
-            </a:r>
-            <a:r>
-              <a:rPr lang="en-US" altLang="ko-KR" sz="1600" dirty="0" err="1" smtClean="0">
-                <a:hlinkClick r:id="rId2"/>
-              </a:rPr>
-              <a:t>sql</a:t>
-            </a:r>
-            <a:r>
-              <a:rPr lang="en-US" altLang="ko-KR" sz="1600" dirty="0" smtClean="0">
-                <a:hlinkClick r:id="rId2"/>
-              </a:rPr>
-              <a:t>/</a:t>
-            </a:r>
-            <a:r>
-              <a:rPr lang="en-US" altLang="ko-KR" sz="1600" dirty="0" err="1" smtClean="0">
-                <a:hlinkClick r:id="rId2"/>
-              </a:rPr>
-              <a:t>emd_fire_pop_dist.sql</a:t>
-            </a:r>
-            <a:endParaRPr lang="en-US" altLang="ko-KR" sz="1600" dirty="0" smtClean="0"/>
-          </a:p>
-        </p:txBody>
-      </p:sp>
     </p:spTree>
     <p:extLst>
       <p:ext uri="{BB962C8B-B14F-4D97-AF65-F5344CB8AC3E}">
@@ -34892,7 +34838,7 @@
         <p:spPr>
           <a:xfrm>
             <a:off x="444501" y="5615582"/>
-            <a:ext cx="11097752" cy="923330"/>
+            <a:ext cx="11097752" cy="369332"/>
           </a:xfrm>
           <a:prstGeom prst="rect">
             <a:avLst/>
@@ -34909,17 +34855,56 @@
               <a:rPr lang="en-US" altLang="ko-KR" dirty="0">
                 <a:hlinkClick r:id="rId2"/>
               </a:rPr>
-              <a:t>https://github.com/Gaia3D/workshop/blob/master/20171208_%EC%84%9C%EC%9C%A8%EC%97%B0_%</a:t>
+              <a:t>https://github.com/Gaia3D/workshop/blob/master/20171208</a:t>
             </a:r>
             <a:r>
               <a:rPr lang="en-US" altLang="ko-KR" dirty="0" smtClean="0">
                 <a:hlinkClick r:id="rId2"/>
               </a:rPr>
-              <a:t>EA%B3%B5%EA%B0%84SQL/sql/emd_fire_pop_dist.sql</a:t>
-            </a:r>
-            <a:endParaRPr lang="en-US" altLang="ko-KR" dirty="0" smtClean="0"/>
-          </a:p>
-          <a:p>
+              <a:t>_</a:t>
+            </a:r>
+            <a:r>
+              <a:rPr lang="ko-KR" altLang="en-US" dirty="0" err="1" smtClean="0">
+                <a:hlinkClick r:id="rId2"/>
+              </a:rPr>
+              <a:t>서울연</a:t>
+            </a:r>
+            <a:r>
+              <a:rPr lang="en-US" altLang="ko-KR" dirty="0" smtClean="0">
+                <a:hlinkClick r:id="rId2"/>
+              </a:rPr>
+              <a:t>_</a:t>
+            </a:r>
+            <a:r>
+              <a:rPr lang="ko-KR" altLang="en-US" dirty="0" smtClean="0">
+                <a:hlinkClick r:id="rId2"/>
+              </a:rPr>
+              <a:t>공간</a:t>
+            </a:r>
+            <a:r>
+              <a:rPr lang="en-US" altLang="ko-KR" dirty="0" smtClean="0">
+                <a:hlinkClick r:id="rId2"/>
+              </a:rPr>
+              <a:t>SQL/</a:t>
+            </a:r>
+            <a:r>
+              <a:rPr lang="en-US" altLang="ko-KR" dirty="0" err="1" smtClean="0">
+                <a:hlinkClick r:id="rId2"/>
+              </a:rPr>
+              <a:t>sql</a:t>
+            </a:r>
+            <a:r>
+              <a:rPr lang="en-US" altLang="ko-KR" dirty="0" smtClean="0">
+                <a:hlinkClick r:id="rId2"/>
+              </a:rPr>
+              <a:t>/</a:t>
+            </a:r>
+            <a:r>
+              <a:rPr lang="en-US" altLang="ko-KR" dirty="0" err="1" smtClean="0">
+                <a:hlinkClick r:id="rId2"/>
+              </a:rPr>
+              <a:t>emd_fire_pop_dist.sql</a:t>
+            </a:r>
             <a:endParaRPr lang="ko-KR" altLang="en-US" dirty="0"/>
           </a:p>
         </p:txBody>
@@ -35027,9 +35012,13 @@
             </a:r>
             <a:r>
               <a:rPr lang="ko-KR" altLang="en-US" dirty="0" smtClean="0"/>
-              <a:t>툴을 이용해 분석</a:t>
-            </a:r>
-            <a:endParaRPr lang="en-US" altLang="ko-KR" dirty="0"/>
+              <a:t>툴을 이용해 </a:t>
+            </a:r>
+            <a:r>
+              <a:rPr lang="ko-KR" altLang="en-US" dirty="0" smtClean="0"/>
+              <a:t>분석</a:t>
+            </a:r>
+            <a:endParaRPr lang="en-US" altLang="ko-KR" dirty="0" smtClean="0"/>
           </a:p>
           <a:p>
             <a:pPr lvl="1"/>
@@ -35037,13 +35026,37 @@
               <a:rPr lang="en-US" altLang="ko-KR" dirty="0">
                 <a:hlinkClick r:id="rId2"/>
               </a:rPr>
-              <a:t>https://github.com/Gaia3D/workshop/blob/master/20171208_%EC%84%9C%EC%9C%A8%EC%97%B0_%</a:t>
+              <a:t>https://</a:t>
             </a:r>
             <a:r>
               <a:rPr lang="en-US" altLang="ko-KR" dirty="0" smtClean="0">
                 <a:hlinkClick r:id="rId2"/>
               </a:rPr>
-              <a:t>EA%B3%B5%EA%B0%84SQL/sql/1stGen_FileBasedGis.py</a:t>
+              <a:t>github.com/Gaia3D/workshop/blob/master/20171208_</a:t>
+            </a:r>
+            <a:r>
+              <a:rPr lang="ko-KR" altLang="en-US" dirty="0" err="1" smtClean="0">
+                <a:hlinkClick r:id="rId2"/>
+              </a:rPr>
+              <a:t>서울연</a:t>
+            </a:r>
+            <a:r>
+              <a:rPr lang="en-US" altLang="ko-KR" dirty="0" smtClean="0">
+                <a:hlinkClick r:id="rId2"/>
+              </a:rPr>
+              <a:t>_</a:t>
+            </a:r>
+            <a:r>
+              <a:rPr lang="ko-KR" altLang="en-US" dirty="0" smtClean="0">
+                <a:hlinkClick r:id="rId2"/>
+              </a:rPr>
+              <a:t>공간</a:t>
+            </a:r>
+            <a:r>
+              <a:rPr lang="en-US" altLang="ko-KR" dirty="0" smtClean="0">
+                <a:hlinkClick r:id="rId2"/>
+              </a:rPr>
+              <a:t>SQL/sql/1stGen_FileBasedGis.py</a:t>
             </a:r>
             <a:endParaRPr lang="en-US" altLang="ko-KR" dirty="0" smtClean="0"/>
           </a:p>
@@ -35074,7 +35087,11 @@
             </a:r>
             <a:r>
               <a:rPr lang="ko-KR" altLang="en-US" dirty="0" smtClean="0"/>
-              <a:t>툴을 이용해 분석</a:t>
+              <a:t>툴을 이용해 </a:t>
+            </a:r>
+            <a:r>
+              <a:rPr lang="ko-KR" altLang="en-US" dirty="0" smtClean="0"/>
+              <a:t>분석</a:t>
             </a:r>
             <a:endParaRPr lang="en-US" altLang="ko-KR" dirty="0" smtClean="0"/>
           </a:p>
@@ -35084,13 +35101,43 @@
               <a:rPr lang="en-US" altLang="ko-KR" dirty="0">
                 <a:hlinkClick r:id="rId3"/>
               </a:rPr>
-              <a:t>https://github.com/Gaia3D/workshop/blob/master/20171208_%EC%84%9C%EC%9C%A8%EC%97%B0_%</a:t>
+              <a:t>https://github.com/Gaia3D/workshop/blob/master/20171208</a:t>
             </a:r>
             <a:r>
               <a:rPr lang="en-US" altLang="ko-KR" dirty="0" smtClean="0">
                 <a:hlinkClick r:id="rId3"/>
               </a:rPr>
-              <a:t>EA%B3%B5%EA%B0%84SQL/sql/2ndGen_DbBasedGis.py</a:t>
+              <a:t>_</a:t>
+            </a:r>
+            <a:r>
+              <a:rPr lang="ko-KR" altLang="en-US" dirty="0">
+                <a:hlinkClick r:id="rId2"/>
+              </a:rPr>
+              <a:t> </a:t>
+            </a:r>
+            <a:r>
+              <a:rPr lang="ko-KR" altLang="en-US" dirty="0" err="1">
+                <a:hlinkClick r:id="rId2"/>
+              </a:rPr>
+              <a:t>서울연</a:t>
+            </a:r>
+            <a:r>
+              <a:rPr lang="en-US" altLang="ko-KR" dirty="0">
+                <a:hlinkClick r:id="rId2"/>
+              </a:rPr>
+              <a:t>_</a:t>
+            </a:r>
+            <a:r>
+              <a:rPr lang="ko-KR" altLang="en-US" dirty="0">
+                <a:hlinkClick r:id="rId2"/>
+              </a:rPr>
+              <a:t>공간 </a:t>
+            </a:r>
+            <a:r>
+              <a:rPr lang="en-US" altLang="ko-KR" dirty="0" smtClean="0">
+                <a:hlinkClick r:id="rId3"/>
+              </a:rPr>
+              <a:t>SQL/sql/2ndGen_DbBasedGis.py</a:t>
             </a:r>
             <a:endParaRPr lang="en-US" altLang="ko-KR" dirty="0" smtClean="0"/>
           </a:p>
@@ -35125,7 +35172,11 @@
             </a:r>
             <a:r>
               <a:rPr lang="ko-KR" altLang="en-US" dirty="0" smtClean="0"/>
-              <a:t>로 분석</a:t>
+              <a:t>로 </a:t>
+            </a:r>
+            <a:r>
+              <a:rPr lang="ko-KR" altLang="en-US" dirty="0" smtClean="0"/>
+              <a:t>분석</a:t>
             </a:r>
             <a:endParaRPr lang="en-US" altLang="ko-KR" dirty="0" smtClean="0"/>
           </a:p>
@@ -35135,13 +35186,55 @@
               <a:rPr lang="en-US" altLang="ko-KR" dirty="0">
                 <a:hlinkClick r:id="rId4"/>
               </a:rPr>
-              <a:t>https://github.com/Gaia3D/workshop/blob/master/20171208_%EC%84%9C%EC%9C%A8%EC%97%B0_%</a:t>
+              <a:t>https://github.com/Gaia3D/workshop/blob/master/20171208</a:t>
             </a:r>
             <a:r>
               <a:rPr lang="en-US" altLang="ko-KR" dirty="0" smtClean="0">
                 <a:hlinkClick r:id="rId4"/>
               </a:rPr>
-              <a:t>EA%B3%B5%EA%B0%84SQL/sql/3rdGen_BasicSql.sql</a:t>
+              <a:t>_</a:t>
+            </a:r>
+            <a:r>
+              <a:rPr lang="ko-KR" altLang="en-US" dirty="0">
+                <a:hlinkClick r:id="rId2"/>
+              </a:rPr>
+              <a:t> </a:t>
+            </a:r>
+            <a:r>
+              <a:rPr lang="ko-KR" altLang="en-US" dirty="0" err="1">
+                <a:hlinkClick r:id="rId2"/>
+              </a:rPr>
+              <a:t>서울연</a:t>
+            </a:r>
+            <a:r>
+              <a:rPr lang="en-US" altLang="ko-KR" dirty="0">
+                <a:hlinkClick r:id="rId2"/>
+              </a:rPr>
+              <a:t>_</a:t>
+            </a:r>
+            <a:r>
+              <a:rPr lang="ko-KR" altLang="en-US" dirty="0">
+                <a:hlinkClick r:id="rId2"/>
+              </a:rPr>
+              <a:t>공간 </a:t>
+            </a:r>
+            <a:r>
+              <a:rPr lang="en-US" altLang="ko-KR" dirty="0" smtClean="0">
+                <a:hlinkClick r:id="rId4"/>
+              </a:rPr>
+              <a:t>SQL/</a:t>
+            </a:r>
+            <a:r>
+              <a:rPr lang="en-US" altLang="ko-KR" dirty="0" err="1" smtClean="0">
+                <a:hlinkClick r:id="rId4"/>
+              </a:rPr>
+              <a:t>sql</a:t>
+            </a:r>
+            <a:r>
+              <a:rPr lang="en-US" altLang="ko-KR" dirty="0" smtClean="0">
+                <a:hlinkClick r:id="rId4"/>
+              </a:rPr>
+              <a:t>/3rdGen_BasicSql.sql</a:t>
             </a:r>
             <a:endParaRPr lang="en-US" altLang="ko-KR" dirty="0" smtClean="0"/>
           </a:p>
@@ -35184,7 +35277,11 @@
             </a:r>
             <a:r>
               <a:rPr lang="ko-KR" altLang="en-US" dirty="0" smtClean="0"/>
-              <a:t>로 분석</a:t>
+              <a:t>로 </a:t>
+            </a:r>
+            <a:r>
+              <a:rPr lang="ko-KR" altLang="en-US" dirty="0" smtClean="0"/>
+              <a:t>분석</a:t>
             </a:r>
             <a:endParaRPr lang="en-US" altLang="ko-KR" dirty="0" smtClean="0"/>
           </a:p>
@@ -35194,13 +35291,55 @@
               <a:rPr lang="en-US" altLang="ko-KR" dirty="0">
                 <a:hlinkClick r:id="rId5"/>
               </a:rPr>
-              <a:t>https://github.com/Gaia3D/workshop/blob/master/20171208_%EC%84%9C%EC%9C%A8%EC%97%B0_%</a:t>
+              <a:t>https://github.com/Gaia3D/workshop/blob/master/20171208</a:t>
             </a:r>
             <a:r>
               <a:rPr lang="en-US" altLang="ko-KR" dirty="0" smtClean="0">
                 <a:hlinkClick r:id="rId5"/>
               </a:rPr>
-              <a:t>EA%B3%B5%EA%B0%84SQL/sql/3ndGen_AdvSql.sql</a:t>
+              <a:t>_</a:t>
+            </a:r>
+            <a:r>
+              <a:rPr lang="ko-KR" altLang="en-US" dirty="0">
+                <a:hlinkClick r:id="rId2"/>
+              </a:rPr>
+              <a:t> </a:t>
+            </a:r>
+            <a:r>
+              <a:rPr lang="ko-KR" altLang="en-US" dirty="0" err="1">
+                <a:hlinkClick r:id="rId2"/>
+              </a:rPr>
+              <a:t>서울연</a:t>
+            </a:r>
+            <a:r>
+              <a:rPr lang="en-US" altLang="ko-KR" dirty="0">
+                <a:hlinkClick r:id="rId2"/>
+              </a:rPr>
+              <a:t>_</a:t>
+            </a:r>
+            <a:r>
+              <a:rPr lang="ko-KR" altLang="en-US" dirty="0">
+                <a:hlinkClick r:id="rId2"/>
+              </a:rPr>
+              <a:t>공간 </a:t>
+            </a:r>
+            <a:r>
+              <a:rPr lang="en-US" altLang="ko-KR" dirty="0" smtClean="0">
+                <a:hlinkClick r:id="rId5"/>
+              </a:rPr>
+              <a:t>SQL/</a:t>
+            </a:r>
+            <a:r>
+              <a:rPr lang="en-US" altLang="ko-KR" dirty="0" err="1" smtClean="0">
+                <a:hlinkClick r:id="rId5"/>
+              </a:rPr>
+              <a:t>sql</a:t>
+            </a:r>
+            <a:r>
+              <a:rPr lang="en-US" altLang="ko-KR" dirty="0" smtClean="0">
+                <a:hlinkClick r:id="rId5"/>
+              </a:rPr>
+              <a:t>/3ndGen_AdvSql.sql</a:t>
             </a:r>
             <a:endParaRPr lang="en-US" altLang="ko-KR" dirty="0" smtClean="0"/>
           </a:p>
@@ -35227,7 +35366,11 @@
             <a:pPr lvl="1"/>
             <a:r>
               <a:rPr lang="ko-KR" altLang="en-US" dirty="0" smtClean="0"/>
-              <a:t>더 효율적인 함수로 변경</a:t>
+              <a:t>더 효율적인 함수로 </a:t>
+            </a:r>
+            <a:r>
+              <a:rPr lang="ko-KR" altLang="en-US" dirty="0" smtClean="0"/>
+              <a:t>변경</a:t>
             </a:r>
             <a:endParaRPr lang="en-US" altLang="ko-KR" dirty="0" smtClean="0"/>
           </a:p>
@@ -35237,13 +35380,55 @@
               <a:rPr lang="en-US" altLang="ko-KR" dirty="0">
                 <a:hlinkClick r:id="rId6"/>
               </a:rPr>
-              <a:t>https://github.com/Gaia3D/workshop/blob/master/20171208_%EC%84%9C%EC%9C%A8%EC%97%B0_%</a:t>
+              <a:t>https://github.com/Gaia3D/workshop/blob/master/20171208</a:t>
             </a:r>
             <a:r>
               <a:rPr lang="en-US" altLang="ko-KR" dirty="0" smtClean="0">
                 <a:hlinkClick r:id="rId6"/>
               </a:rPr>
-              <a:t>EA%B3%B5%EA%B0%84SQL/sql/3ndGen_DwithinSql.sql</a:t>
+              <a:t>_</a:t>
+            </a:r>
+            <a:r>
+              <a:rPr lang="ko-KR" altLang="en-US" dirty="0">
+                <a:hlinkClick r:id="rId2"/>
+              </a:rPr>
+              <a:t> </a:t>
+            </a:r>
+            <a:r>
+              <a:rPr lang="ko-KR" altLang="en-US" dirty="0" err="1">
+                <a:hlinkClick r:id="rId2"/>
+              </a:rPr>
+              <a:t>서울연</a:t>
+            </a:r>
+            <a:r>
+              <a:rPr lang="en-US" altLang="ko-KR" dirty="0">
+                <a:hlinkClick r:id="rId2"/>
+              </a:rPr>
+              <a:t>_</a:t>
+            </a:r>
+            <a:r>
+              <a:rPr lang="ko-KR" altLang="en-US" dirty="0">
+                <a:hlinkClick r:id="rId2"/>
+              </a:rPr>
+              <a:t>공간 </a:t>
+            </a:r>
+            <a:r>
+              <a:rPr lang="en-US" altLang="ko-KR" dirty="0" smtClean="0">
+                <a:hlinkClick r:id="rId6"/>
+              </a:rPr>
+              <a:t>SQL/</a:t>
+            </a:r>
+            <a:r>
+              <a:rPr lang="en-US" altLang="ko-KR" dirty="0" err="1" smtClean="0">
+                <a:hlinkClick r:id="rId6"/>
+              </a:rPr>
+              <a:t>sql</a:t>
+            </a:r>
+            <a:r>
+              <a:rPr lang="en-US" altLang="ko-KR" dirty="0" smtClean="0">
+                <a:hlinkClick r:id="rId6"/>
+              </a:rPr>
+              <a:t>/3ndGen_DwithinSql.sql</a:t>
             </a:r>
             <a:endParaRPr lang="en-US" altLang="ko-KR" dirty="0" smtClean="0"/>
           </a:p>
